--- a/Getting_Started_With_Blogging/gettintg-started-with-blogging-slide-deck-v1-1.pptx
+++ b/Getting_Started_With_Blogging/gettintg-started-with-blogging-slide-deck-v1-1.pptx
@@ -208,7 +208,7 @@
           <a:p>
             <a:fld id="{A0024FC8-169A-41DA-B22B-8D47ACEADE95}" type="datetimeFigureOut">
               <a:rPr lang="en-GB" smtClean="0"/>
-              <a:t>28/02/2024</a:t>
+              <a:t>19/09/2024</a:t>
             </a:fld>
             <a:endParaRPr lang="en-GB"/>
           </a:p>
@@ -1425,12 +1425,12 @@
           </a:p>
           <a:p>
             <a:r>
-              <a:rPr lang="en-GB"/>
+              <a:rPr lang="en-GB" dirty="0"/>
               <a:t>Configure Domain and Cert</a:t>
             </a:r>
           </a:p>
           <a:p>
-            <a:endParaRPr lang="en-GB"/>
+            <a:endParaRPr lang="en-GB" dirty="0"/>
           </a:p>
           <a:p>
             <a:r>
@@ -1664,7 +1664,7 @@
           <a:effectLst/>
           <a:extLst>
             <a:ext uri="{91240B29-F687-4f45-9708-019B960494DF}">
-              <a14:hiddenLine xmlns:a14="http://schemas.microsoft.com/office/drawing/2010/main" xmlns="" w="9525">
+              <a14:hiddenLine xmlns="" xmlns:a14="http://schemas.microsoft.com/office/drawing/2010/main" w="9525">
                 <a:solidFill>
                   <a:srgbClr val="000000"/>
                 </a:solidFill>
@@ -1856,7 +1856,7 @@
           <a:p>
             <a:fld id="{8360B236-0FDC-478A-BA6C-F858E3FC5F3C}" type="datetimeFigureOut">
               <a:rPr lang="en-GB" smtClean="0"/>
-              <a:t>28/02/2024</a:t>
+              <a:t>19/09/2024</a:t>
             </a:fld>
             <a:endParaRPr lang="en-GB"/>
           </a:p>
@@ -2174,7 +2174,7 @@
           <a:p>
             <a:fld id="{8360B236-0FDC-478A-BA6C-F858E3FC5F3C}" type="datetimeFigureOut">
               <a:rPr lang="en-GB" smtClean="0"/>
-              <a:t>28/02/2024</a:t>
+              <a:t>19/09/2024</a:t>
             </a:fld>
             <a:endParaRPr lang="en-GB"/>
           </a:p>
@@ -2662,7 +2662,7 @@
           <a:p>
             <a:fld id="{8360B236-0FDC-478A-BA6C-F858E3FC5F3C}" type="datetimeFigureOut">
               <a:rPr lang="en-GB" smtClean="0"/>
-              <a:t>28/02/2024</a:t>
+              <a:t>19/09/2024</a:t>
             </a:fld>
             <a:endParaRPr lang="en-GB"/>
           </a:p>
@@ -3031,7 +3031,7 @@
           <a:p>
             <a:fld id="{8360B236-0FDC-478A-BA6C-F858E3FC5F3C}" type="datetimeFigureOut">
               <a:rPr lang="en-GB" smtClean="0"/>
-              <a:t>28/02/2024</a:t>
+              <a:t>19/09/2024</a:t>
             </a:fld>
             <a:endParaRPr lang="en-GB"/>
           </a:p>
@@ -3186,7 +3186,7 @@
           <a:ln/>
           <a:extLst>
             <a:ext uri="{91240B29-F687-4f45-9708-019B960494DF}">
-              <a14:hiddenLine xmlns:a14="http://schemas.microsoft.com/office/drawing/2010/main" xmlns="" w="9525">
+              <a14:hiddenLine xmlns="" xmlns:a14="http://schemas.microsoft.com/office/drawing/2010/main" w="9525">
                 <a:solidFill>
                   <a:srgbClr val="000000"/>
                 </a:solidFill>
@@ -3304,7 +3304,7 @@
           <a:p>
             <a:fld id="{8360B236-0FDC-478A-BA6C-F858E3FC5F3C}" type="datetimeFigureOut">
               <a:rPr lang="en-GB" smtClean="0"/>
-              <a:t>28/02/2024</a:t>
+              <a:t>19/09/2024</a:t>
             </a:fld>
             <a:endParaRPr lang="en-GB"/>
           </a:p>
@@ -3461,7 +3461,7 @@
           <a:ln/>
           <a:extLst>
             <a:ext uri="{91240B29-F687-4f45-9708-019B960494DF}">
-              <a14:hiddenLine xmlns:a14="http://schemas.microsoft.com/office/drawing/2010/main" xmlns="" w="9525">
+              <a14:hiddenLine xmlns="" xmlns:a14="http://schemas.microsoft.com/office/drawing/2010/main" w="9525">
                 <a:solidFill>
                   <a:srgbClr val="000000"/>
                 </a:solidFill>
@@ -3589,7 +3589,7 @@
           <a:p>
             <a:fld id="{8360B236-0FDC-478A-BA6C-F858E3FC5F3C}" type="datetimeFigureOut">
               <a:rPr lang="en-GB" smtClean="0"/>
-              <a:t>28/02/2024</a:t>
+              <a:t>19/09/2024</a:t>
             </a:fld>
             <a:endParaRPr lang="en-GB"/>
           </a:p>
@@ -3744,7 +3744,7 @@
           <a:ln/>
           <a:extLst>
             <a:ext uri="{91240B29-F687-4f45-9708-019B960494DF}">
-              <a14:hiddenLine xmlns:a14="http://schemas.microsoft.com/office/drawing/2010/main" xmlns="" w="9525">
+              <a14:hiddenLine xmlns="" xmlns:a14="http://schemas.microsoft.com/office/drawing/2010/main" w="9525">
                 <a:solidFill>
                   <a:srgbClr val="000000"/>
                 </a:solidFill>
@@ -3872,7 +3872,7 @@
           <a:p>
             <a:fld id="{8360B236-0FDC-478A-BA6C-F858E3FC5F3C}" type="datetimeFigureOut">
               <a:rPr lang="en-GB" smtClean="0"/>
-              <a:t>28/02/2024</a:t>
+              <a:t>19/09/2024</a:t>
             </a:fld>
             <a:endParaRPr lang="en-GB"/>
           </a:p>
@@ -4215,7 +4215,7 @@
           <a:p>
             <a:fld id="{8360B236-0FDC-478A-BA6C-F858E3FC5F3C}" type="datetimeFigureOut">
               <a:rPr lang="en-GB" smtClean="0"/>
-              <a:t>28/02/2024</a:t>
+              <a:t>19/09/2024</a:t>
             </a:fld>
             <a:endParaRPr lang="en-GB"/>
           </a:p>
@@ -4370,7 +4370,7 @@
           <a:ln/>
           <a:extLst>
             <a:ext uri="{91240B29-F687-4f45-9708-019B960494DF}">
-              <a14:hiddenLine xmlns:a14="http://schemas.microsoft.com/office/drawing/2010/main" xmlns="" w="9525">
+              <a14:hiddenLine xmlns="" xmlns:a14="http://schemas.microsoft.com/office/drawing/2010/main" w="9525">
                 <a:solidFill>
                   <a:srgbClr val="000000"/>
                 </a:solidFill>
@@ -4554,7 +4554,7 @@
           <a:p>
             <a:fld id="{8360B236-0FDC-478A-BA6C-F858E3FC5F3C}" type="datetimeFigureOut">
               <a:rPr lang="en-GB" smtClean="0"/>
-              <a:t>28/02/2024</a:t>
+              <a:t>19/09/2024</a:t>
             </a:fld>
             <a:endParaRPr lang="en-GB"/>
           </a:p>
@@ -4709,7 +4709,7 @@
           <a:ln/>
           <a:extLst>
             <a:ext uri="{91240B29-F687-4f45-9708-019B960494DF}">
-              <a14:hiddenLine xmlns:a14="http://schemas.microsoft.com/office/drawing/2010/main" xmlns="" w="9525">
+              <a14:hiddenLine xmlns="" xmlns:a14="http://schemas.microsoft.com/office/drawing/2010/main" w="9525">
                 <a:solidFill>
                   <a:srgbClr val="000000"/>
                 </a:solidFill>
@@ -5031,7 +5031,7 @@
           <a:p>
             <a:fld id="{8360B236-0FDC-478A-BA6C-F858E3FC5F3C}" type="datetimeFigureOut">
               <a:rPr lang="en-GB" smtClean="0"/>
-              <a:t>28/02/2024</a:t>
+              <a:t>19/09/2024</a:t>
             </a:fld>
             <a:endParaRPr lang="en-GB"/>
           </a:p>
@@ -5186,7 +5186,7 @@
           <a:ln/>
           <a:extLst>
             <a:ext uri="{91240B29-F687-4f45-9708-019B960494DF}">
-              <a14:hiddenLine xmlns:a14="http://schemas.microsoft.com/office/drawing/2010/main" xmlns="" w="9525">
+              <a14:hiddenLine xmlns="" xmlns:a14="http://schemas.microsoft.com/office/drawing/2010/main" w="9525">
                 <a:solidFill>
                   <a:srgbClr val="000000"/>
                 </a:solidFill>
@@ -5252,7 +5252,7 @@
           <a:p>
             <a:fld id="{8360B236-0FDC-478A-BA6C-F858E3FC5F3C}" type="datetimeFigureOut">
               <a:rPr lang="en-GB" smtClean="0"/>
-              <a:t>28/02/2024</a:t>
+              <a:t>19/09/2024</a:t>
             </a:fld>
             <a:endParaRPr lang="en-GB"/>
           </a:p>
@@ -5347,7 +5347,7 @@
           <a:p>
             <a:fld id="{8360B236-0FDC-478A-BA6C-F858E3FC5F3C}" type="datetimeFigureOut">
               <a:rPr lang="en-GB" smtClean="0"/>
-              <a:t>28/02/2024</a:t>
+              <a:t>19/09/2024</a:t>
             </a:fld>
             <a:endParaRPr lang="en-GB"/>
           </a:p>
@@ -5615,7 +5615,7 @@
           <a:ln/>
           <a:extLst>
             <a:ext uri="{91240B29-F687-4f45-9708-019B960494DF}">
-              <a14:hiddenLine xmlns:a14="http://schemas.microsoft.com/office/drawing/2010/main" xmlns="" w="9525">
+              <a14:hiddenLine xmlns="" xmlns:a14="http://schemas.microsoft.com/office/drawing/2010/main" w="9525">
                 <a:solidFill>
                   <a:srgbClr val="000000"/>
                 </a:solidFill>
@@ -5814,7 +5814,7 @@
           <a:p>
             <a:fld id="{8360B236-0FDC-478A-BA6C-F858E3FC5F3C}" type="datetimeFigureOut">
               <a:rPr lang="en-GB" smtClean="0"/>
-              <a:t>28/02/2024</a:t>
+              <a:t>19/09/2024</a:t>
             </a:fld>
             <a:endParaRPr lang="en-GB"/>
           </a:p>
@@ -6127,7 +6127,7 @@
           <a:p>
             <a:fld id="{8360B236-0FDC-478A-BA6C-F858E3FC5F3C}" type="datetimeFigureOut">
               <a:rPr lang="en-GB" smtClean="0"/>
-              <a:t>28/02/2024</a:t>
+              <a:t>19/09/2024</a:t>
             </a:fld>
             <a:endParaRPr lang="en-GB"/>
           </a:p>
@@ -6397,7 +6397,7 @@
           <a:p>
             <a:fld id="{8360B236-0FDC-478A-BA6C-F858E3FC5F3C}" type="datetimeFigureOut">
               <a:rPr lang="en-GB" smtClean="0"/>
-              <a:t>28/02/2024</a:t>
+              <a:t>19/09/2024</a:t>
             </a:fld>
             <a:endParaRPr lang="en-GB"/>
           </a:p>
@@ -7280,7 +7280,7 @@
           <a:ln/>
           <a:extLst>
             <a:ext uri="{91240B29-F687-4f45-9708-019B960494DF}">
-              <a14:hiddenLine xmlns="" xmlns:a14="http://schemas.microsoft.com/office/drawing/2010/main" xmlns:a16="http://schemas.microsoft.com/office/drawing/2014/main" w="9525">
+              <a14:hiddenLine xmlns:a16="http://schemas.microsoft.com/office/drawing/2014/main" xmlns:a14="http://schemas.microsoft.com/office/drawing/2010/main" xmlns="" w="9525">
                 <a:solidFill>
                   <a:srgbClr val="000000"/>
                 </a:solidFill>
@@ -7586,7 +7586,7 @@
           <a:effectLst/>
           <a:extLst>
             <a:ext uri="{91240B29-F687-4f45-9708-019B960494DF}">
-              <a14:hiddenLine xmlns="" xmlns:a16="http://schemas.microsoft.com/office/drawing/2014/main" xmlns:p14="http://schemas.microsoft.com/office/powerpoint/2010/main" xmlns:a14="http://schemas.microsoft.com/office/drawing/2010/main" w="9525">
+              <a14:hiddenLine xmlns:a14="http://schemas.microsoft.com/office/drawing/2010/main" xmlns:p14="http://schemas.microsoft.com/office/powerpoint/2010/main" xmlns:a16="http://schemas.microsoft.com/office/drawing/2014/main" xmlns="" w="9525">
                 <a:solidFill>
                   <a:srgbClr val="000000"/>
                 </a:solidFill>
@@ -7908,7 +7908,7 @@
           <a:effectLst/>
           <a:extLst>
             <a:ext uri="{91240B29-F687-4f45-9708-019B960494DF}">
-              <a14:hiddenLine xmlns="" xmlns:a16="http://schemas.microsoft.com/office/drawing/2014/main" xmlns:p14="http://schemas.microsoft.com/office/powerpoint/2010/main" xmlns:a14="http://schemas.microsoft.com/office/drawing/2010/main" w="9525">
+              <a14:hiddenLine xmlns:a14="http://schemas.microsoft.com/office/drawing/2010/main" xmlns:p14="http://schemas.microsoft.com/office/powerpoint/2010/main" xmlns:a16="http://schemas.microsoft.com/office/drawing/2014/main" xmlns="" w="9525">
                 <a:solidFill>
                   <a:srgbClr val="000000"/>
                 </a:solidFill>
@@ -8629,7 +8629,26 @@
                 <a:ea typeface="+mn-ea"/>
                 <a:cs typeface="+mn-cs"/>
               </a:rPr>
-              <a:t>Simon John Lee</a:t>
+              <a:t>Simon</a:t>
+            </a:r>
+            <a:r>
+              <a:rPr lang="en-GB" sz="1548" dirty="0">
+                <a:solidFill>
+                  <a:schemeClr val="bg1"/>
+                </a:solidFill>
+              </a:rPr>
+              <a:t>-</a:t>
+            </a:r>
+            <a:r>
+              <a:rPr lang="en-GB" sz="1548" kern="1200" dirty="0">
+                <a:solidFill>
+                  <a:schemeClr val="bg1"/>
+                </a:solidFill>
+                <a:latin typeface="+mn-lt"/>
+                <a:ea typeface="+mn-ea"/>
+                <a:cs typeface="+mn-cs"/>
+              </a:rPr>
+              <a:t>John-Lee</a:t>
             </a:r>
             <a:endParaRPr lang="en-GB" dirty="0">
               <a:solidFill>
@@ -9192,7 +9211,7 @@
         <p:spPr>
           <a:xfrm>
             <a:off x="1868901" y="3563219"/>
-            <a:ext cx="1688283" cy="330540"/>
+            <a:ext cx="1710725" cy="330540"/>
           </a:xfrm>
           <a:prstGeom prst="rect">
             <a:avLst/>
@@ -9219,7 +9238,7 @@
                 <a:ea typeface="+mn-ea"/>
                 <a:cs typeface="+mn-cs"/>
               </a:rPr>
-              <a:t>Simon John Lee</a:t>
+              <a:t>Simon-John-Lee</a:t>
             </a:r>
             <a:endParaRPr lang="en-GB" dirty="0"/>
           </a:p>
@@ -9754,7 +9773,7 @@
           <a:effectLst/>
           <a:extLst>
             <a:ext uri="{91240B29-F687-4f45-9708-019B960494DF}">
-              <a14:hiddenLine xmlns="" xmlns:a14="http://schemas.microsoft.com/office/drawing/2010/main" xmlns:a16="http://schemas.microsoft.com/office/drawing/2014/main" w="9525">
+              <a14:hiddenLine xmlns:a16="http://schemas.microsoft.com/office/drawing/2014/main" xmlns:a14="http://schemas.microsoft.com/office/drawing/2010/main" xmlns="" w="9525">
                 <a:solidFill>
                   <a:srgbClr val="000000"/>
                 </a:solidFill>
